--- a/bishops/cs321/resources/CS321_Lecture_15B.pptx
+++ b/bishops/cs321/resources/CS321_Lecture_15B.pptx
@@ -116,7 +116,7 @@
   </p:defaultTextStyle>
   <p:extLst>
     <p:ext uri="{EFAFB233-063F-42B5-8137-9DF3F51BA10A}">
-      <p15:sldGuideLst xmlns:p15="http://schemas.microsoft.com/office/powerpoint/2012/main"/>
+      <p15:sldGuideLst xmlns:p15="http://schemas.microsoft.com/office/powerpoint/2012/main" xmlns=""/>
     </p:ext>
   </p:extLst>
 </p:presentation>
@@ -127,7 +127,7 @@
   <p:cmAuthor id="1" name="Gregory" initials="G" lastIdx="1" clrIdx="0">
     <p:extLst>
       <p:ext uri="{19B8F6BF-5375-455C-9EA6-DF929625EA0E}">
-        <p15:presenceInfo xmlns:p15="http://schemas.microsoft.com/office/powerpoint/2012/main" userId="Gregory" providerId="None"/>
+        <p15:presenceInfo xmlns:p15="http://schemas.microsoft.com/office/powerpoint/2012/main" xmlns="" userId="Gregory" providerId="None"/>
       </p:ext>
     </p:extLst>
   </p:cmAuthor>
@@ -216,7 +216,8 @@
           <a:p>
             <a:fld id="{A6583E9D-07AB-4C6D-BFD0-47E805C6B3D4}" type="datetimeFigureOut">
               <a:rPr lang="en-CA" smtClean="0"/>
-              <a:t>2022-03-17</a:t>
+              <a:pPr/>
+              <a:t>2024-03-08</a:t>
             </a:fld>
             <a:endParaRPr lang="en-CA"/>
           </a:p>
@@ -375,6 +376,7 @@
           <a:p>
             <a:fld id="{8F20841C-25C9-4C0C-A7FA-C4A363D14F5A}" type="slidenum">
               <a:rPr lang="en-CA" smtClean="0"/>
+              <a:pPr/>
               <a:t>‹#›</a:t>
             </a:fld>
             <a:endParaRPr lang="en-CA"/>
@@ -384,7 +386,7 @@
     </p:spTree>
     <p:extLst>
       <p:ext uri="{BB962C8B-B14F-4D97-AF65-F5344CB8AC3E}">
-        <p14:creationId xmlns:p14="http://schemas.microsoft.com/office/powerpoint/2010/main" val="4237529172"/>
+        <p14:creationId xmlns:p14="http://schemas.microsoft.com/office/powerpoint/2010/main" xmlns="" val="4237529172"/>
       </p:ext>
     </p:extLst>
   </p:cSld>
@@ -528,14 +530,6 @@
           <a:bodyPr/>
           <a:lstStyle/>
           <a:p>
-            <a:r>
-              <a:rPr lang="en-CA" dirty="0"/>
-              <a:t>Multi-instrument</a:t>
-            </a:r>
-            <a:r>
-              <a:rPr lang="en-CA" baseline="0" dirty="0"/>
-              <a:t> / Multi-instrument Inter-process (minus the)-with Eye Trackers-</a:t>
-            </a:r>
             <a:endParaRPr lang="en-CA" dirty="0"/>
           </a:p>
         </p:txBody>
@@ -557,6 +551,7 @@
           <a:p>
             <a:fld id="{8F20841C-25C9-4C0C-A7FA-C4A363D14F5A}" type="slidenum">
               <a:rPr lang="en-CA" smtClean="0"/>
+              <a:pPr/>
               <a:t>1</a:t>
             </a:fld>
             <a:endParaRPr lang="en-CA"/>
@@ -566,7 +561,7 @@
     </p:spTree>
     <p:extLst>
       <p:ext uri="{BB962C8B-B14F-4D97-AF65-F5344CB8AC3E}">
-        <p14:creationId xmlns:p14="http://schemas.microsoft.com/office/powerpoint/2010/main" val="2340334442"/>
+        <p14:creationId xmlns:p14="http://schemas.microsoft.com/office/powerpoint/2010/main" xmlns="" val="2340334442"/>
       </p:ext>
     </p:extLst>
   </p:cSld>
@@ -760,6 +755,7 @@
           <a:p>
             <a:fld id="{5174927E-2439-42C0-9720-7BBCA09BF46F}" type="slidenum">
               <a:rPr lang="en-CA" smtClean="0"/>
+              <a:pPr/>
               <a:t>‹#›</a:t>
             </a:fld>
             <a:endParaRPr lang="en-CA"/>
@@ -769,7 +765,7 @@
     </p:spTree>
     <p:extLst>
       <p:ext uri="{BB962C8B-B14F-4D97-AF65-F5344CB8AC3E}">
-        <p14:creationId xmlns:p14="http://schemas.microsoft.com/office/powerpoint/2010/main" val="1900560834"/>
+        <p14:creationId xmlns:p14="http://schemas.microsoft.com/office/powerpoint/2010/main" xmlns="" val="1900560834"/>
       </p:ext>
     </p:extLst>
   </p:cSld>
@@ -933,6 +929,7 @@
           <a:p>
             <a:fld id="{5174927E-2439-42C0-9720-7BBCA09BF46F}" type="slidenum">
               <a:rPr lang="en-CA" smtClean="0"/>
+              <a:pPr/>
               <a:t>‹#›</a:t>
             </a:fld>
             <a:endParaRPr lang="en-CA"/>
@@ -942,7 +939,7 @@
     </p:spTree>
     <p:extLst>
       <p:ext uri="{BB962C8B-B14F-4D97-AF65-F5344CB8AC3E}">
-        <p14:creationId xmlns:p14="http://schemas.microsoft.com/office/powerpoint/2010/main" val="3722958745"/>
+        <p14:creationId xmlns:p14="http://schemas.microsoft.com/office/powerpoint/2010/main" xmlns="" val="3722958745"/>
       </p:ext>
     </p:extLst>
   </p:cSld>
@@ -1178,7 +1175,7 @@
     </p:spTree>
     <p:extLst>
       <p:ext uri="{BB962C8B-B14F-4D97-AF65-F5344CB8AC3E}">
-        <p14:creationId xmlns:p14="http://schemas.microsoft.com/office/powerpoint/2010/main" val="1822376042"/>
+        <p14:creationId xmlns:p14="http://schemas.microsoft.com/office/powerpoint/2010/main" xmlns="" val="1822376042"/>
       </p:ext>
     </p:extLst>
   </p:cSld>
@@ -1418,6 +1415,7 @@
           <a:p>
             <a:fld id="{5174927E-2439-42C0-9720-7BBCA09BF46F}" type="slidenum">
               <a:rPr lang="en-CA" smtClean="0"/>
+              <a:pPr/>
               <a:t>‹#›</a:t>
             </a:fld>
             <a:endParaRPr lang="en-CA"/>
@@ -1427,7 +1425,7 @@
     </p:spTree>
     <p:extLst>
       <p:ext uri="{BB962C8B-B14F-4D97-AF65-F5344CB8AC3E}">
-        <p14:creationId xmlns:p14="http://schemas.microsoft.com/office/powerpoint/2010/main" val="3411672561"/>
+        <p14:creationId xmlns:p14="http://schemas.microsoft.com/office/powerpoint/2010/main" xmlns="" val="3411672561"/>
       </p:ext>
     </p:extLst>
   </p:cSld>
@@ -1653,6 +1651,7 @@
           <a:p>
             <a:fld id="{5174927E-2439-42C0-9720-7BBCA09BF46F}" type="slidenum">
               <a:rPr lang="en-CA" smtClean="0"/>
+              <a:pPr/>
               <a:t>‹#›</a:t>
             </a:fld>
             <a:endParaRPr lang="en-CA"/>
@@ -1662,7 +1661,7 @@
     </p:spTree>
     <p:extLst>
       <p:ext uri="{BB962C8B-B14F-4D97-AF65-F5344CB8AC3E}">
-        <p14:creationId xmlns:p14="http://schemas.microsoft.com/office/powerpoint/2010/main" val="1093008526"/>
+        <p14:creationId xmlns:p14="http://schemas.microsoft.com/office/powerpoint/2010/main" xmlns="" val="1093008526"/>
       </p:ext>
     </p:extLst>
   </p:cSld>
@@ -2023,6 +2022,7 @@
           <a:p>
             <a:fld id="{5174927E-2439-42C0-9720-7BBCA09BF46F}" type="slidenum">
               <a:rPr lang="en-CA" smtClean="0"/>
+              <a:pPr/>
               <a:t>‹#›</a:t>
             </a:fld>
             <a:endParaRPr lang="en-CA"/>
@@ -2032,7 +2032,7 @@
     </p:spTree>
     <p:extLst>
       <p:ext uri="{BB962C8B-B14F-4D97-AF65-F5344CB8AC3E}">
-        <p14:creationId xmlns:p14="http://schemas.microsoft.com/office/powerpoint/2010/main" val="1087924878"/>
+        <p14:creationId xmlns:p14="http://schemas.microsoft.com/office/powerpoint/2010/main" xmlns="" val="1087924878"/>
       </p:ext>
     </p:extLst>
   </p:cSld>
@@ -2144,6 +2144,7 @@
           <a:p>
             <a:fld id="{5174927E-2439-42C0-9720-7BBCA09BF46F}" type="slidenum">
               <a:rPr lang="en-CA" smtClean="0"/>
+              <a:pPr/>
               <a:t>‹#›</a:t>
             </a:fld>
             <a:endParaRPr lang="en-CA"/>
@@ -2153,7 +2154,7 @@
     </p:spTree>
     <p:extLst>
       <p:ext uri="{BB962C8B-B14F-4D97-AF65-F5344CB8AC3E}">
-        <p14:creationId xmlns:p14="http://schemas.microsoft.com/office/powerpoint/2010/main" val="3802387408"/>
+        <p14:creationId xmlns:p14="http://schemas.microsoft.com/office/powerpoint/2010/main" xmlns="" val="3802387408"/>
       </p:ext>
     </p:extLst>
   </p:cSld>
@@ -2242,6 +2243,7 @@
           <a:p>
             <a:fld id="{5174927E-2439-42C0-9720-7BBCA09BF46F}" type="slidenum">
               <a:rPr lang="en-CA" smtClean="0"/>
+              <a:pPr/>
               <a:t>‹#›</a:t>
             </a:fld>
             <a:endParaRPr lang="en-CA"/>
@@ -2251,7 +2253,7 @@
     </p:spTree>
     <p:extLst>
       <p:ext uri="{BB962C8B-B14F-4D97-AF65-F5344CB8AC3E}">
-        <p14:creationId xmlns:p14="http://schemas.microsoft.com/office/powerpoint/2010/main" val="4234091411"/>
+        <p14:creationId xmlns:p14="http://schemas.microsoft.com/office/powerpoint/2010/main" xmlns="" val="4234091411"/>
       </p:ext>
     </p:extLst>
   </p:cSld>
@@ -2522,6 +2524,7 @@
           <a:p>
             <a:fld id="{5174927E-2439-42C0-9720-7BBCA09BF46F}" type="slidenum">
               <a:rPr lang="en-CA" smtClean="0"/>
+              <a:pPr/>
               <a:t>‹#›</a:t>
             </a:fld>
             <a:endParaRPr lang="en-CA"/>
@@ -2531,7 +2534,7 @@
     </p:spTree>
     <p:extLst>
       <p:ext uri="{BB962C8B-B14F-4D97-AF65-F5344CB8AC3E}">
-        <p14:creationId xmlns:p14="http://schemas.microsoft.com/office/powerpoint/2010/main" val="4189422420"/>
+        <p14:creationId xmlns:p14="http://schemas.microsoft.com/office/powerpoint/2010/main" xmlns="" val="4189422420"/>
       </p:ext>
     </p:extLst>
   </p:cSld>
@@ -2778,6 +2781,7 @@
           <a:p>
             <a:fld id="{5174927E-2439-42C0-9720-7BBCA09BF46F}" type="slidenum">
               <a:rPr lang="en-CA" smtClean="0"/>
+              <a:pPr/>
               <a:t>‹#›</a:t>
             </a:fld>
             <a:endParaRPr lang="en-CA"/>
@@ -2787,7 +2791,7 @@
     </p:spTree>
     <p:extLst>
       <p:ext uri="{BB962C8B-B14F-4D97-AF65-F5344CB8AC3E}">
-        <p14:creationId xmlns:p14="http://schemas.microsoft.com/office/powerpoint/2010/main" val="3252977898"/>
+        <p14:creationId xmlns:p14="http://schemas.microsoft.com/office/powerpoint/2010/main" xmlns="" val="3252977898"/>
       </p:ext>
     </p:extLst>
   </p:cSld>
@@ -3053,10 +3057,10 @@
           <p:nvPr userDrawn="1"/>
         </p:nvPicPr>
         <p:blipFill>
-          <a:blip r:embed="rId13">
+          <a:blip r:embed="rId13" cstate="print">
             <a:extLst>
               <a:ext uri="{28A0092B-C50C-407E-A947-70E740481C1C}">
-                <a14:useLocalDpi xmlns:a14="http://schemas.microsoft.com/office/drawing/2010/main" val="0"/>
+                <a14:useLocalDpi xmlns:a14="http://schemas.microsoft.com/office/drawing/2010/main" xmlns="" val="0"/>
               </a:ext>
             </a:extLst>
           </a:blip>
@@ -3077,7 +3081,7 @@
     </p:spTree>
     <p:extLst>
       <p:ext uri="{BB962C8B-B14F-4D97-AF65-F5344CB8AC3E}">
-        <p14:creationId xmlns:p14="http://schemas.microsoft.com/office/powerpoint/2010/main" val="4230061028"/>
+        <p14:creationId xmlns:p14="http://schemas.microsoft.com/office/powerpoint/2010/main" xmlns="" val="4230061028"/>
       </p:ext>
     </p:extLst>
   </p:cSld>
@@ -3511,12 +3515,6 @@
             <a:endParaRPr lang="en-CA" baseline="30000" dirty="0"/>
           </a:p>
           <a:p>
-            <a:r>
-              <a:rPr lang="en-CA" dirty="0"/>
-              <a:t>Date: January 31, 2022</a:t>
-            </a:r>
-          </a:p>
-          <a:p>
             <a:endParaRPr lang="en-CA" dirty="0"/>
           </a:p>
         </p:txBody>
@@ -3526,7 +3524,7 @@
           <p:cNvPr id="13" name="Picture 8" descr="http://osiris.ubishops.ca/~alussier/images/transparentlogo_bu.png">
             <a:extLst>
               <a:ext uri="{FF2B5EF4-FFF2-40B4-BE49-F238E27FC236}">
-                <a16:creationId xmlns:a16="http://schemas.microsoft.com/office/drawing/2014/main" id="{CCB9A035-2F1C-4B96-A5DB-70B72D6E4AD8}"/>
+                <a16:creationId xmlns:a16="http://schemas.microsoft.com/office/drawing/2014/main" xmlns="" id="{CCB9A035-2F1C-4B96-A5DB-70B72D6E4AD8}"/>
               </a:ext>
             </a:extLst>
           </p:cNvPr>
@@ -3536,10 +3534,10 @@
           <p:nvPr/>
         </p:nvPicPr>
         <p:blipFill>
-          <a:blip r:embed="rId3">
+          <a:blip r:embed="rId3" cstate="print">
             <a:extLst>
               <a:ext uri="{28A0092B-C50C-407E-A947-70E740481C1C}">
-                <a14:useLocalDpi xmlns:a14="http://schemas.microsoft.com/office/drawing/2010/main" val="0"/>
+                <a14:useLocalDpi xmlns:a14="http://schemas.microsoft.com/office/drawing/2010/main" xmlns="" val="0"/>
               </a:ext>
             </a:extLst>
           </a:blip>
@@ -3559,7 +3557,7 @@
           <a:noFill/>
           <a:extLst>
             <a:ext uri="{909E8E84-426E-40DD-AFC4-6F175D3DCCD1}">
-              <a14:hiddenFill xmlns:a14="http://schemas.microsoft.com/office/drawing/2010/main">
+              <a14:hiddenFill xmlns:a14="http://schemas.microsoft.com/office/drawing/2010/main" xmlns="">
                 <a:solidFill>
                   <a:srgbClr val="FFFFFF"/>
                 </a:solidFill>
@@ -3571,7 +3569,7 @@
     </p:spTree>
     <p:extLst>
       <p:ext uri="{BB962C8B-B14F-4D97-AF65-F5344CB8AC3E}">
-        <p14:creationId xmlns:p14="http://schemas.microsoft.com/office/powerpoint/2010/main" val="4177077622"/>
+        <p14:creationId xmlns:p14="http://schemas.microsoft.com/office/powerpoint/2010/main" xmlns="" val="4177077622"/>
       </p:ext>
     </p:extLst>
   </p:cSld>
@@ -4061,28 +4059,6 @@
       </p:sp>
       <p:sp>
         <p:nvSpPr>
-          <p:cNvPr id="6" name="Date Placeholder 5"/>
-          <p:cNvSpPr>
-            <a:spLocks noGrp="1"/>
-          </p:cNvSpPr>
-          <p:nvPr>
-            <p:ph type="dt" sz="half" idx="2"/>
-          </p:nvPr>
-        </p:nvSpPr>
-        <p:spPr/>
-        <p:txBody>
-          <a:bodyPr/>
-          <a:lstStyle/>
-          <a:p>
-            <a:r>
-              <a:rPr lang="en-CA" dirty="0"/>
-              <a:t>Winter 2022</a:t>
-            </a:r>
-          </a:p>
-        </p:txBody>
-      </p:sp>
-      <p:sp>
-        <p:nvSpPr>
           <p:cNvPr id="10" name="Footer Placeholder 9"/>
           <p:cNvSpPr>
             <a:spLocks noGrp="1"/>
@@ -4133,7 +4109,7 @@
     </p:spTree>
     <p:extLst>
       <p:ext uri="{BB962C8B-B14F-4D97-AF65-F5344CB8AC3E}">
-        <p14:creationId xmlns:p14="http://schemas.microsoft.com/office/powerpoint/2010/main" val="51204498"/>
+        <p14:creationId xmlns:p14="http://schemas.microsoft.com/office/powerpoint/2010/main" xmlns="" val="51204498"/>
       </p:ext>
     </p:extLst>
   </p:cSld>
@@ -4216,28 +4192,6 @@
       </p:sp>
       <p:sp>
         <p:nvSpPr>
-          <p:cNvPr id="6" name="Date Placeholder 5"/>
-          <p:cNvSpPr>
-            <a:spLocks noGrp="1"/>
-          </p:cNvSpPr>
-          <p:nvPr>
-            <p:ph type="dt" sz="half" idx="2"/>
-          </p:nvPr>
-        </p:nvSpPr>
-        <p:spPr/>
-        <p:txBody>
-          <a:bodyPr/>
-          <a:lstStyle/>
-          <a:p>
-            <a:r>
-              <a:rPr lang="en-CA" dirty="0"/>
-              <a:t>Winter 2022</a:t>
-            </a:r>
-          </a:p>
-        </p:txBody>
-      </p:sp>
-      <p:sp>
-        <p:nvSpPr>
           <p:cNvPr id="10" name="Footer Placeholder 9"/>
           <p:cNvSpPr>
             <a:spLocks noGrp="1"/>
@@ -4290,7 +4244,7 @@
           <p:cNvPr id="7" name="Picture 12" descr="templatemethodpatternSample">
             <a:extLst>
               <a:ext uri="{FF2B5EF4-FFF2-40B4-BE49-F238E27FC236}">
-                <a16:creationId xmlns:a16="http://schemas.microsoft.com/office/drawing/2014/main" id="{6B5354B9-1AB5-4D15-8652-1AAB194CD13D}"/>
+                <a16:creationId xmlns:a16="http://schemas.microsoft.com/office/drawing/2014/main" xmlns="" id="{6B5354B9-1AB5-4D15-8652-1AAB194CD13D}"/>
               </a:ext>
             </a:extLst>
           </p:cNvPr>
@@ -4303,7 +4257,7 @@
           <a:blip r:embed="rId2">
             <a:extLst>
               <a:ext uri="{28A0092B-C50C-407E-A947-70E740481C1C}">
-                <a14:useLocalDpi xmlns:a14="http://schemas.microsoft.com/office/drawing/2010/main" val="0"/>
+                <a14:useLocalDpi xmlns:a14="http://schemas.microsoft.com/office/drawing/2010/main" xmlns="" val="0"/>
               </a:ext>
             </a:extLst>
           </a:blip>
@@ -4325,7 +4279,7 @@
     </p:spTree>
     <p:extLst>
       <p:ext uri="{BB962C8B-B14F-4D97-AF65-F5344CB8AC3E}">
-        <p14:creationId xmlns:p14="http://schemas.microsoft.com/office/powerpoint/2010/main" val="951659939"/>
+        <p14:creationId xmlns:p14="http://schemas.microsoft.com/office/powerpoint/2010/main" xmlns="" val="951659939"/>
       </p:ext>
     </p:extLst>
   </p:cSld>
@@ -4409,28 +4363,6 @@
       </p:sp>
       <p:sp>
         <p:nvSpPr>
-          <p:cNvPr id="6" name="Date Placeholder 5"/>
-          <p:cNvSpPr>
-            <a:spLocks noGrp="1"/>
-          </p:cNvSpPr>
-          <p:nvPr>
-            <p:ph type="dt" sz="half" idx="2"/>
-          </p:nvPr>
-        </p:nvSpPr>
-        <p:spPr/>
-        <p:txBody>
-          <a:bodyPr/>
-          <a:lstStyle/>
-          <a:p>
-            <a:r>
-              <a:rPr lang="en-CA" dirty="0"/>
-              <a:t>Winter 2022</a:t>
-            </a:r>
-          </a:p>
-        </p:txBody>
-      </p:sp>
-      <p:sp>
-        <p:nvSpPr>
           <p:cNvPr id="10" name="Footer Placeholder 9"/>
           <p:cNvSpPr>
             <a:spLocks noGrp="1"/>
@@ -4483,7 +4415,7 @@
           <p:cNvPr id="7" name="Picture 2" descr="templateMethod">
             <a:extLst>
               <a:ext uri="{FF2B5EF4-FFF2-40B4-BE49-F238E27FC236}">
-                <a16:creationId xmlns:a16="http://schemas.microsoft.com/office/drawing/2014/main" id="{44AD0D0A-19D6-4810-BADA-F006E4193FEE}"/>
+                <a16:creationId xmlns:a16="http://schemas.microsoft.com/office/drawing/2014/main" xmlns="" id="{44AD0D0A-19D6-4810-BADA-F006E4193FEE}"/>
               </a:ext>
             </a:extLst>
           </p:cNvPr>
@@ -4496,7 +4428,7 @@
           <a:blip r:embed="rId2">
             <a:extLst>
               <a:ext uri="{28A0092B-C50C-407E-A947-70E740481C1C}">
-                <a14:useLocalDpi xmlns:a14="http://schemas.microsoft.com/office/drawing/2010/main" val="0"/>
+                <a14:useLocalDpi xmlns:a14="http://schemas.microsoft.com/office/drawing/2010/main" xmlns="" val="0"/>
               </a:ext>
             </a:extLst>
           </a:blip>
@@ -4518,7 +4450,7 @@
     </p:spTree>
     <p:extLst>
       <p:ext uri="{BB962C8B-B14F-4D97-AF65-F5344CB8AC3E}">
-        <p14:creationId xmlns:p14="http://schemas.microsoft.com/office/powerpoint/2010/main" val="1435777542"/>
+        <p14:creationId xmlns:p14="http://schemas.microsoft.com/office/powerpoint/2010/main" xmlns="" val="1435777542"/>
       </p:ext>
     </p:extLst>
   </p:cSld>
@@ -5328,28 +5260,6 @@
       </p:sp>
       <p:sp>
         <p:nvSpPr>
-          <p:cNvPr id="6" name="Date Placeholder 5"/>
-          <p:cNvSpPr>
-            <a:spLocks noGrp="1"/>
-          </p:cNvSpPr>
-          <p:nvPr>
-            <p:ph type="dt" sz="half" idx="2"/>
-          </p:nvPr>
-        </p:nvSpPr>
-        <p:spPr/>
-        <p:txBody>
-          <a:bodyPr/>
-          <a:lstStyle/>
-          <a:p>
-            <a:r>
-              <a:rPr lang="en-CA" dirty="0"/>
-              <a:t>Winter 2022</a:t>
-            </a:r>
-          </a:p>
-        </p:txBody>
-      </p:sp>
-      <p:sp>
-        <p:nvSpPr>
           <p:cNvPr id="10" name="Footer Placeholder 9"/>
           <p:cNvSpPr>
             <a:spLocks noGrp="1"/>
@@ -5400,7 +5310,7 @@
     </p:spTree>
     <p:extLst>
       <p:ext uri="{BB962C8B-B14F-4D97-AF65-F5344CB8AC3E}">
-        <p14:creationId xmlns:p14="http://schemas.microsoft.com/office/powerpoint/2010/main" val="997206608"/>
+        <p14:creationId xmlns:p14="http://schemas.microsoft.com/office/powerpoint/2010/main" xmlns="" val="997206608"/>
       </p:ext>
     </p:extLst>
   </p:cSld>
@@ -5936,6 +5846,23 @@
               <a:tabLst/>
               <a:defRPr/>
             </a:pPr>
+            <a:r>
+              <a:rPr kumimoji="0" lang="en-US" altLang="en-US" sz="2400" b="1" i="0" u="none" strike="noStrike" kern="0" cap="none" spc="0" normalizeH="0" baseline="0" noProof="0" dirty="0">
+                <a:ln>
+                  <a:noFill/>
+                </a:ln>
+                <a:solidFill>
+                  <a:srgbClr val="02030E"/>
+                </a:solidFill>
+                <a:effectLst/>
+                <a:uLnTx/>
+                <a:uFillTx/>
+                <a:latin typeface="Optimum"/>
+                <a:ea typeface="ＭＳ Ｐゴシック" panose="020B0600070205080204" pitchFamily="34" charset="-128"/>
+                <a:cs typeface="+mn-cs"/>
+              </a:rPr>
+              <a:t/>
+            </a:r>
             <a:br>
               <a:rPr kumimoji="0" lang="en-US" altLang="en-US" sz="2400" b="1" i="0" u="none" strike="noStrike" kern="0" cap="none" spc="0" normalizeH="0" baseline="0" noProof="0" dirty="0">
                 <a:ln>
@@ -6076,28 +6003,6 @@
       </p:sp>
       <p:sp>
         <p:nvSpPr>
-          <p:cNvPr id="6" name="Date Placeholder 5"/>
-          <p:cNvSpPr>
-            <a:spLocks noGrp="1"/>
-          </p:cNvSpPr>
-          <p:nvPr>
-            <p:ph type="dt" sz="half" idx="2"/>
-          </p:nvPr>
-        </p:nvSpPr>
-        <p:spPr/>
-        <p:txBody>
-          <a:bodyPr/>
-          <a:lstStyle/>
-          <a:p>
-            <a:r>
-              <a:rPr lang="en-CA" dirty="0"/>
-              <a:t>Winter 2022</a:t>
-            </a:r>
-          </a:p>
-        </p:txBody>
-      </p:sp>
-      <p:sp>
-        <p:nvSpPr>
           <p:cNvPr id="10" name="Footer Placeholder 9"/>
           <p:cNvSpPr>
             <a:spLocks noGrp="1"/>
@@ -6150,7 +6055,7 @@
           <p:cNvPr id="7" name="Text Box 4">
             <a:extLst>
               <a:ext uri="{FF2B5EF4-FFF2-40B4-BE49-F238E27FC236}">
-                <a16:creationId xmlns:a16="http://schemas.microsoft.com/office/drawing/2014/main" id="{BA22DA48-482E-40A1-A3D7-AE11E65C187D}"/>
+                <a16:creationId xmlns:a16="http://schemas.microsoft.com/office/drawing/2014/main" xmlns="" id="{BA22DA48-482E-40A1-A3D7-AE11E65C187D}"/>
               </a:ext>
             </a:extLst>
           </p:cNvPr>
@@ -6178,7 +6083,7 @@
           </a:ln>
           <a:extLst>
             <a:ext uri="{909E8E84-426E-40DD-AFC4-6F175D3DCCD1}">
-              <a14:hiddenFill xmlns:a14="http://schemas.microsoft.com/office/drawing/2010/main">
+              <a14:hiddenFill xmlns:a14="http://schemas.microsoft.com/office/drawing/2010/main" xmlns="">
                 <a:solidFill>
                   <a:srgbClr val="FFFFFF"/>
                 </a:solidFill>
@@ -6333,7 +6238,7 @@
     </p:spTree>
     <p:extLst>
       <p:ext uri="{BB962C8B-B14F-4D97-AF65-F5344CB8AC3E}">
-        <p14:creationId xmlns:p14="http://schemas.microsoft.com/office/powerpoint/2010/main" val="1825364276"/>
+        <p14:creationId xmlns:p14="http://schemas.microsoft.com/office/powerpoint/2010/main" xmlns="" val="1825364276"/>
       </p:ext>
     </p:extLst>
   </p:cSld>
@@ -6930,28 +6835,6 @@
       </p:sp>
       <p:sp>
         <p:nvSpPr>
-          <p:cNvPr id="6" name="Date Placeholder 5"/>
-          <p:cNvSpPr>
-            <a:spLocks noGrp="1"/>
-          </p:cNvSpPr>
-          <p:nvPr>
-            <p:ph type="dt" sz="half" idx="2"/>
-          </p:nvPr>
-        </p:nvSpPr>
-        <p:spPr/>
-        <p:txBody>
-          <a:bodyPr/>
-          <a:lstStyle/>
-          <a:p>
-            <a:r>
-              <a:rPr lang="en-CA" dirty="0"/>
-              <a:t>Winter 2022</a:t>
-            </a:r>
-          </a:p>
-        </p:txBody>
-      </p:sp>
-      <p:sp>
-        <p:nvSpPr>
           <p:cNvPr id="10" name="Footer Placeholder 9"/>
           <p:cNvSpPr>
             <a:spLocks noGrp="1"/>
@@ -7004,7 +6887,7 @@
           <p:cNvPr id="7" name="Text Box 4">
             <a:extLst>
               <a:ext uri="{FF2B5EF4-FFF2-40B4-BE49-F238E27FC236}">
-                <a16:creationId xmlns:a16="http://schemas.microsoft.com/office/drawing/2014/main" id="{DE376850-FFDE-4BC0-AE2A-F3BAE264E3EC}"/>
+                <a16:creationId xmlns:a16="http://schemas.microsoft.com/office/drawing/2014/main" xmlns="" id="{DE376850-FFDE-4BC0-AE2A-F3BAE264E3EC}"/>
               </a:ext>
             </a:extLst>
           </p:cNvPr>
@@ -7032,7 +6915,7 @@
           </a:ln>
           <a:extLst>
             <a:ext uri="{909E8E84-426E-40DD-AFC4-6F175D3DCCD1}">
-              <a14:hiddenFill xmlns:a14="http://schemas.microsoft.com/office/drawing/2010/main">
+              <a14:hiddenFill xmlns:a14="http://schemas.microsoft.com/office/drawing/2010/main" xmlns="">
                 <a:solidFill>
                   <a:srgbClr val="FFFFFF"/>
                 </a:solidFill>
@@ -7171,7 +7054,7 @@
     </p:spTree>
     <p:extLst>
       <p:ext uri="{BB962C8B-B14F-4D97-AF65-F5344CB8AC3E}">
-        <p14:creationId xmlns:p14="http://schemas.microsoft.com/office/powerpoint/2010/main" val="1364115844"/>
+        <p14:creationId xmlns:p14="http://schemas.microsoft.com/office/powerpoint/2010/main" xmlns="" val="1364115844"/>
       </p:ext>
     </p:extLst>
   </p:cSld>
@@ -7374,6 +7257,12 @@
               </a:rPr>
               <a:t>	// abstract methods</a:t>
             </a:r>
+            <a:r>
+              <a:rPr lang="en-US" altLang="en-US" sz="1900" dirty="0">
+                <a:ea typeface="ＭＳ Ｐゴシック" panose="020B0600070205080204" pitchFamily="34" charset="-128"/>
+              </a:rPr>
+              <a:t/>
+            </a:r>
             <a:br>
               <a:rPr lang="en-US" altLang="en-US" sz="1900" dirty="0">
                 <a:ea typeface="ＭＳ Ｐゴシック" panose="020B0600070205080204" pitchFamily="34" charset="-128"/>
@@ -7672,28 +7561,6 @@
               <a:buNone/>
             </a:pPr>
             <a:endParaRPr lang="en-US" altLang="en-US" sz="2400" dirty="0"/>
-          </a:p>
-        </p:txBody>
-      </p:sp>
-      <p:sp>
-        <p:nvSpPr>
-          <p:cNvPr id="6" name="Date Placeholder 5"/>
-          <p:cNvSpPr>
-            <a:spLocks noGrp="1"/>
-          </p:cNvSpPr>
-          <p:nvPr>
-            <p:ph type="dt" sz="half" idx="2"/>
-          </p:nvPr>
-        </p:nvSpPr>
-        <p:spPr/>
-        <p:txBody>
-          <a:bodyPr/>
-          <a:lstStyle/>
-          <a:p>
-            <a:r>
-              <a:rPr lang="en-CA" dirty="0"/>
-              <a:t>Winter 2022</a:t>
-            </a:r>
           </a:p>
         </p:txBody>
       </p:sp>
@@ -7749,7 +7616,7 @@
     </p:spTree>
     <p:extLst>
       <p:ext uri="{BB962C8B-B14F-4D97-AF65-F5344CB8AC3E}">
-        <p14:creationId xmlns:p14="http://schemas.microsoft.com/office/powerpoint/2010/main" val="831713103"/>
+        <p14:creationId xmlns:p14="http://schemas.microsoft.com/office/powerpoint/2010/main" xmlns="" val="831713103"/>
       </p:ext>
     </p:extLst>
   </p:cSld>
@@ -7802,7 +7669,7 @@
     </a:clrScheme>
     <a:fontScheme name="Office">
       <a:majorFont>
-        <a:latin typeface="Calibri Light" panose="020F0302020204030204"/>
+        <a:latin typeface="Calibri Light"/>
         <a:ea typeface=""/>
         <a:cs typeface=""/>
         <a:font script="Jpan" typeface="游ゴシック Light"/>
@@ -7854,7 +7721,7 @@
         <a:font script="Tfng" typeface="Ebrima"/>
       </a:majorFont>
       <a:minorFont>
-        <a:latin typeface="Calibri" panose="020F0502020204030204"/>
+        <a:latin typeface="Calibri"/>
         <a:ea typeface=""/>
         <a:cs typeface=""/>
         <a:font script="Jpan" typeface="游ゴシック"/>
@@ -8048,7 +7915,7 @@
   <a:extraClrSchemeLst/>
   <a:extLst>
     <a:ext uri="{05A4C25C-085E-4340-85A3-A5531E510DB2}">
-      <thm15:themeFamily xmlns:thm15="http://schemas.microsoft.com/office/thememl/2012/main" name="eye_tracker_presentation" id="{00ED1D97-A04B-46A0-BB71-88655A6B057F}" vid="{F36189FA-3966-4852-951E-5734674D1C7B}"/>
+      <thm15:themeFamily xmlns:thm15="http://schemas.microsoft.com/office/thememl/2012/main" xmlns="" name="eye_tracker_presentation" id="{00ED1D97-A04B-46A0-BB71-88655A6B057F}" vid="{F36189FA-3966-4852-951E-5734674D1C7B}"/>
     </a:ext>
   </a:extLst>
 </a:theme>
@@ -8097,7 +7964,7 @@
     </a:clrScheme>
     <a:fontScheme name="Office">
       <a:majorFont>
-        <a:latin typeface="Calibri Light" panose="020F0302020204030204"/>
+        <a:latin typeface="Calibri Light"/>
         <a:ea typeface=""/>
         <a:cs typeface=""/>
         <a:font script="Jpan" typeface="游ゴシック Light"/>
@@ -8149,7 +8016,7 @@
         <a:font script="Tfng" typeface="Ebrima"/>
       </a:majorFont>
       <a:minorFont>
-        <a:latin typeface="Calibri" panose="020F0502020204030204"/>
+        <a:latin typeface="Calibri"/>
         <a:ea typeface=""/>
         <a:cs typeface=""/>
         <a:font script="Jpan" typeface="游ゴシック"/>
@@ -8343,7 +8210,7 @@
   <a:extraClrSchemeLst/>
   <a:extLst>
     <a:ext uri="{05A4C25C-085E-4340-85A3-A5531E510DB2}">
-      <thm15:themeFamily xmlns:thm15="http://schemas.microsoft.com/office/thememl/2012/main" name="Office Theme" id="{62F939B6-93AF-4DB8-9C6B-D6C7DFDC589F}" vid="{4A3C46E8-61CC-4603-A589-7422A47A8E4A}"/>
+      <thm15:themeFamily xmlns:thm15="http://schemas.microsoft.com/office/thememl/2012/main" xmlns="" name="Office Theme" id="{62F939B6-93AF-4DB8-9C6B-D6C7DFDC589F}" vid="{4A3C46E8-61CC-4603-A589-7422A47A8E4A}"/>
     </a:ext>
   </a:extLst>
 </a:theme>

--- a/bishops/cs321/resources/CS321_Lecture_15B.pptx
+++ b/bishops/cs321/resources/CS321_Lecture_15B.pptx
@@ -116,7 +116,7 @@
   </p:defaultTextStyle>
   <p:extLst>
     <p:ext uri="{EFAFB233-063F-42B5-8137-9DF3F51BA10A}">
-      <p15:sldGuideLst xmlns:p15="http://schemas.microsoft.com/office/powerpoint/2012/main" xmlns=""/>
+      <p15:sldGuideLst xmlns="" xmlns:p15="http://schemas.microsoft.com/office/powerpoint/2012/main"/>
     </p:ext>
   </p:extLst>
 </p:presentation>
@@ -127,7 +127,7 @@
   <p:cmAuthor id="1" name="Gregory" initials="G" lastIdx="1" clrIdx="0">
     <p:extLst>
       <p:ext uri="{19B8F6BF-5375-455C-9EA6-DF929625EA0E}">
-        <p15:presenceInfo xmlns:p15="http://schemas.microsoft.com/office/powerpoint/2012/main" xmlns="" userId="Gregory" providerId="None"/>
+        <p15:presenceInfo xmlns="" xmlns:p15="http://schemas.microsoft.com/office/powerpoint/2012/main" userId="Gregory" providerId="None"/>
       </p:ext>
     </p:extLst>
   </p:cmAuthor>
@@ -217,7 +217,7 @@
             <a:fld id="{A6583E9D-07AB-4C6D-BFD0-47E805C6B3D4}" type="datetimeFigureOut">
               <a:rPr lang="en-CA" smtClean="0"/>
               <a:pPr/>
-              <a:t>2024-03-08</a:t>
+              <a:t>2024-03-16</a:t>
             </a:fld>
             <a:endParaRPr lang="en-CA"/>
           </a:p>
@@ -386,7 +386,7 @@
     </p:spTree>
     <p:extLst>
       <p:ext uri="{BB962C8B-B14F-4D97-AF65-F5344CB8AC3E}">
-        <p14:creationId xmlns:p14="http://schemas.microsoft.com/office/powerpoint/2010/main" xmlns="" val="4237529172"/>
+        <p14:creationId xmlns="" xmlns:p14="http://schemas.microsoft.com/office/powerpoint/2010/main" val="4237529172"/>
       </p:ext>
     </p:extLst>
   </p:cSld>
@@ -561,7 +561,7 @@
     </p:spTree>
     <p:extLst>
       <p:ext uri="{BB962C8B-B14F-4D97-AF65-F5344CB8AC3E}">
-        <p14:creationId xmlns:p14="http://schemas.microsoft.com/office/powerpoint/2010/main" xmlns="" val="2340334442"/>
+        <p14:creationId xmlns="" xmlns:p14="http://schemas.microsoft.com/office/powerpoint/2010/main" val="2340334442"/>
       </p:ext>
     </p:extLst>
   </p:cSld>
@@ -765,7 +765,7 @@
     </p:spTree>
     <p:extLst>
       <p:ext uri="{BB962C8B-B14F-4D97-AF65-F5344CB8AC3E}">
-        <p14:creationId xmlns:p14="http://schemas.microsoft.com/office/powerpoint/2010/main" xmlns="" val="1900560834"/>
+        <p14:creationId xmlns="" xmlns:p14="http://schemas.microsoft.com/office/powerpoint/2010/main" val="1900560834"/>
       </p:ext>
     </p:extLst>
   </p:cSld>
@@ -939,7 +939,7 @@
     </p:spTree>
     <p:extLst>
       <p:ext uri="{BB962C8B-B14F-4D97-AF65-F5344CB8AC3E}">
-        <p14:creationId xmlns:p14="http://schemas.microsoft.com/office/powerpoint/2010/main" xmlns="" val="3722958745"/>
+        <p14:creationId xmlns="" xmlns:p14="http://schemas.microsoft.com/office/powerpoint/2010/main" val="3722958745"/>
       </p:ext>
     </p:extLst>
   </p:cSld>
@@ -1175,7 +1175,7 @@
     </p:spTree>
     <p:extLst>
       <p:ext uri="{BB962C8B-B14F-4D97-AF65-F5344CB8AC3E}">
-        <p14:creationId xmlns:p14="http://schemas.microsoft.com/office/powerpoint/2010/main" xmlns="" val="1822376042"/>
+        <p14:creationId xmlns="" xmlns:p14="http://schemas.microsoft.com/office/powerpoint/2010/main" val="1822376042"/>
       </p:ext>
     </p:extLst>
   </p:cSld>
@@ -1425,7 +1425,7 @@
     </p:spTree>
     <p:extLst>
       <p:ext uri="{BB962C8B-B14F-4D97-AF65-F5344CB8AC3E}">
-        <p14:creationId xmlns:p14="http://schemas.microsoft.com/office/powerpoint/2010/main" xmlns="" val="3411672561"/>
+        <p14:creationId xmlns="" xmlns:p14="http://schemas.microsoft.com/office/powerpoint/2010/main" val="3411672561"/>
       </p:ext>
     </p:extLst>
   </p:cSld>
@@ -1661,7 +1661,7 @@
     </p:spTree>
     <p:extLst>
       <p:ext uri="{BB962C8B-B14F-4D97-AF65-F5344CB8AC3E}">
-        <p14:creationId xmlns:p14="http://schemas.microsoft.com/office/powerpoint/2010/main" xmlns="" val="1093008526"/>
+        <p14:creationId xmlns="" xmlns:p14="http://schemas.microsoft.com/office/powerpoint/2010/main" val="1093008526"/>
       </p:ext>
     </p:extLst>
   </p:cSld>
@@ -2032,7 +2032,7 @@
     </p:spTree>
     <p:extLst>
       <p:ext uri="{BB962C8B-B14F-4D97-AF65-F5344CB8AC3E}">
-        <p14:creationId xmlns:p14="http://schemas.microsoft.com/office/powerpoint/2010/main" xmlns="" val="1087924878"/>
+        <p14:creationId xmlns="" xmlns:p14="http://schemas.microsoft.com/office/powerpoint/2010/main" val="1087924878"/>
       </p:ext>
     </p:extLst>
   </p:cSld>
@@ -2154,7 +2154,7 @@
     </p:spTree>
     <p:extLst>
       <p:ext uri="{BB962C8B-B14F-4D97-AF65-F5344CB8AC3E}">
-        <p14:creationId xmlns:p14="http://schemas.microsoft.com/office/powerpoint/2010/main" xmlns="" val="3802387408"/>
+        <p14:creationId xmlns="" xmlns:p14="http://schemas.microsoft.com/office/powerpoint/2010/main" val="3802387408"/>
       </p:ext>
     </p:extLst>
   </p:cSld>
@@ -2253,7 +2253,7 @@
     </p:spTree>
     <p:extLst>
       <p:ext uri="{BB962C8B-B14F-4D97-AF65-F5344CB8AC3E}">
-        <p14:creationId xmlns:p14="http://schemas.microsoft.com/office/powerpoint/2010/main" xmlns="" val="4234091411"/>
+        <p14:creationId xmlns="" xmlns:p14="http://schemas.microsoft.com/office/powerpoint/2010/main" val="4234091411"/>
       </p:ext>
     </p:extLst>
   </p:cSld>
@@ -2534,7 +2534,7 @@
     </p:spTree>
     <p:extLst>
       <p:ext uri="{BB962C8B-B14F-4D97-AF65-F5344CB8AC3E}">
-        <p14:creationId xmlns:p14="http://schemas.microsoft.com/office/powerpoint/2010/main" xmlns="" val="4189422420"/>
+        <p14:creationId xmlns="" xmlns:p14="http://schemas.microsoft.com/office/powerpoint/2010/main" val="4189422420"/>
       </p:ext>
     </p:extLst>
   </p:cSld>
@@ -2791,7 +2791,7 @@
     </p:spTree>
     <p:extLst>
       <p:ext uri="{BB962C8B-B14F-4D97-AF65-F5344CB8AC3E}">
-        <p14:creationId xmlns:p14="http://schemas.microsoft.com/office/powerpoint/2010/main" xmlns="" val="3252977898"/>
+        <p14:creationId xmlns="" xmlns:p14="http://schemas.microsoft.com/office/powerpoint/2010/main" val="3252977898"/>
       </p:ext>
     </p:extLst>
   </p:cSld>
@@ -3060,7 +3060,7 @@
           <a:blip r:embed="rId13" cstate="print">
             <a:extLst>
               <a:ext uri="{28A0092B-C50C-407E-A947-70E740481C1C}">
-                <a14:useLocalDpi xmlns:a14="http://schemas.microsoft.com/office/drawing/2010/main" xmlns="" val="0"/>
+                <a14:useLocalDpi xmlns="" xmlns:a14="http://schemas.microsoft.com/office/drawing/2010/main" val="0"/>
               </a:ext>
             </a:extLst>
           </a:blip>
@@ -3081,7 +3081,7 @@
     </p:spTree>
     <p:extLst>
       <p:ext uri="{BB962C8B-B14F-4D97-AF65-F5344CB8AC3E}">
-        <p14:creationId xmlns:p14="http://schemas.microsoft.com/office/powerpoint/2010/main" xmlns="" val="4230061028"/>
+        <p14:creationId xmlns="" xmlns:p14="http://schemas.microsoft.com/office/powerpoint/2010/main" val="4230061028"/>
       </p:ext>
     </p:extLst>
   </p:cSld>
@@ -3524,7 +3524,7 @@
           <p:cNvPr id="13" name="Picture 8" descr="http://osiris.ubishops.ca/~alussier/images/transparentlogo_bu.png">
             <a:extLst>
               <a:ext uri="{FF2B5EF4-FFF2-40B4-BE49-F238E27FC236}">
-                <a16:creationId xmlns:a16="http://schemas.microsoft.com/office/drawing/2014/main" xmlns="" id="{CCB9A035-2F1C-4B96-A5DB-70B72D6E4AD8}"/>
+                <a16:creationId xmlns="" xmlns:a16="http://schemas.microsoft.com/office/drawing/2014/main" id="{CCB9A035-2F1C-4B96-A5DB-70B72D6E4AD8}"/>
               </a:ext>
             </a:extLst>
           </p:cNvPr>
@@ -3537,7 +3537,7 @@
           <a:blip r:embed="rId3" cstate="print">
             <a:extLst>
               <a:ext uri="{28A0092B-C50C-407E-A947-70E740481C1C}">
-                <a14:useLocalDpi xmlns:a14="http://schemas.microsoft.com/office/drawing/2010/main" xmlns="" val="0"/>
+                <a14:useLocalDpi xmlns="" xmlns:a14="http://schemas.microsoft.com/office/drawing/2010/main" val="0"/>
               </a:ext>
             </a:extLst>
           </a:blip>
@@ -3557,7 +3557,7 @@
           <a:noFill/>
           <a:extLst>
             <a:ext uri="{909E8E84-426E-40DD-AFC4-6F175D3DCCD1}">
-              <a14:hiddenFill xmlns:a14="http://schemas.microsoft.com/office/drawing/2010/main" xmlns="">
+              <a14:hiddenFill xmlns="" xmlns:a14="http://schemas.microsoft.com/office/drawing/2010/main">
                 <a:solidFill>
                   <a:srgbClr val="FFFFFF"/>
                 </a:solidFill>
@@ -3569,7 +3569,7 @@
     </p:spTree>
     <p:extLst>
       <p:ext uri="{BB962C8B-B14F-4D97-AF65-F5344CB8AC3E}">
-        <p14:creationId xmlns:p14="http://schemas.microsoft.com/office/powerpoint/2010/main" xmlns="" val="4177077622"/>
+        <p14:creationId xmlns="" xmlns:p14="http://schemas.microsoft.com/office/powerpoint/2010/main" val="4177077622"/>
       </p:ext>
     </p:extLst>
   </p:cSld>
@@ -4109,7 +4109,7 @@
     </p:spTree>
     <p:extLst>
       <p:ext uri="{BB962C8B-B14F-4D97-AF65-F5344CB8AC3E}">
-        <p14:creationId xmlns:p14="http://schemas.microsoft.com/office/powerpoint/2010/main" xmlns="" val="51204498"/>
+        <p14:creationId xmlns="" xmlns:p14="http://schemas.microsoft.com/office/powerpoint/2010/main" val="51204498"/>
       </p:ext>
     </p:extLst>
   </p:cSld>
@@ -4244,7 +4244,7 @@
           <p:cNvPr id="7" name="Picture 12" descr="templatemethodpatternSample">
             <a:extLst>
               <a:ext uri="{FF2B5EF4-FFF2-40B4-BE49-F238E27FC236}">
-                <a16:creationId xmlns:a16="http://schemas.microsoft.com/office/drawing/2014/main" xmlns="" id="{6B5354B9-1AB5-4D15-8652-1AAB194CD13D}"/>
+                <a16:creationId xmlns="" xmlns:a16="http://schemas.microsoft.com/office/drawing/2014/main" id="{6B5354B9-1AB5-4D15-8652-1AAB194CD13D}"/>
               </a:ext>
             </a:extLst>
           </p:cNvPr>
@@ -4257,7 +4257,7 @@
           <a:blip r:embed="rId2">
             <a:extLst>
               <a:ext uri="{28A0092B-C50C-407E-A947-70E740481C1C}">
-                <a14:useLocalDpi xmlns:a14="http://schemas.microsoft.com/office/drawing/2010/main" xmlns="" val="0"/>
+                <a14:useLocalDpi xmlns="" xmlns:a14="http://schemas.microsoft.com/office/drawing/2010/main" val="0"/>
               </a:ext>
             </a:extLst>
           </a:blip>
@@ -4279,7 +4279,7 @@
     </p:spTree>
     <p:extLst>
       <p:ext uri="{BB962C8B-B14F-4D97-AF65-F5344CB8AC3E}">
-        <p14:creationId xmlns:p14="http://schemas.microsoft.com/office/powerpoint/2010/main" xmlns="" val="951659939"/>
+        <p14:creationId xmlns="" xmlns:p14="http://schemas.microsoft.com/office/powerpoint/2010/main" val="951659939"/>
       </p:ext>
     </p:extLst>
   </p:cSld>
@@ -4415,7 +4415,7 @@
           <p:cNvPr id="7" name="Picture 2" descr="templateMethod">
             <a:extLst>
               <a:ext uri="{FF2B5EF4-FFF2-40B4-BE49-F238E27FC236}">
-                <a16:creationId xmlns:a16="http://schemas.microsoft.com/office/drawing/2014/main" xmlns="" id="{44AD0D0A-19D6-4810-BADA-F006E4193FEE}"/>
+                <a16:creationId xmlns="" xmlns:a16="http://schemas.microsoft.com/office/drawing/2014/main" id="{44AD0D0A-19D6-4810-BADA-F006E4193FEE}"/>
               </a:ext>
             </a:extLst>
           </p:cNvPr>
@@ -4428,7 +4428,7 @@
           <a:blip r:embed="rId2">
             <a:extLst>
               <a:ext uri="{28A0092B-C50C-407E-A947-70E740481C1C}">
-                <a14:useLocalDpi xmlns:a14="http://schemas.microsoft.com/office/drawing/2010/main" xmlns="" val="0"/>
+                <a14:useLocalDpi xmlns="" xmlns:a14="http://schemas.microsoft.com/office/drawing/2010/main" val="0"/>
               </a:ext>
             </a:extLst>
           </a:blip>
@@ -4450,7 +4450,7 @@
     </p:spTree>
     <p:extLst>
       <p:ext uri="{BB962C8B-B14F-4D97-AF65-F5344CB8AC3E}">
-        <p14:creationId xmlns:p14="http://schemas.microsoft.com/office/powerpoint/2010/main" xmlns="" val="1435777542"/>
+        <p14:creationId xmlns="" xmlns:p14="http://schemas.microsoft.com/office/powerpoint/2010/main" val="1435777542"/>
       </p:ext>
     </p:extLst>
   </p:cSld>
@@ -5310,7 +5310,7 @@
     </p:spTree>
     <p:extLst>
       <p:ext uri="{BB962C8B-B14F-4D97-AF65-F5344CB8AC3E}">
-        <p14:creationId xmlns:p14="http://schemas.microsoft.com/office/powerpoint/2010/main" xmlns="" val="997206608"/>
+        <p14:creationId xmlns="" xmlns:p14="http://schemas.microsoft.com/office/powerpoint/2010/main" val="997206608"/>
       </p:ext>
     </p:extLst>
   </p:cSld>
@@ -6055,7 +6055,7 @@
           <p:cNvPr id="7" name="Text Box 4">
             <a:extLst>
               <a:ext uri="{FF2B5EF4-FFF2-40B4-BE49-F238E27FC236}">
-                <a16:creationId xmlns:a16="http://schemas.microsoft.com/office/drawing/2014/main" xmlns="" id="{BA22DA48-482E-40A1-A3D7-AE11E65C187D}"/>
+                <a16:creationId xmlns="" xmlns:a16="http://schemas.microsoft.com/office/drawing/2014/main" id="{BA22DA48-482E-40A1-A3D7-AE11E65C187D}"/>
               </a:ext>
             </a:extLst>
           </p:cNvPr>
@@ -6083,7 +6083,7 @@
           </a:ln>
           <a:extLst>
             <a:ext uri="{909E8E84-426E-40DD-AFC4-6F175D3DCCD1}">
-              <a14:hiddenFill xmlns:a14="http://schemas.microsoft.com/office/drawing/2010/main" xmlns="">
+              <a14:hiddenFill xmlns="" xmlns:a14="http://schemas.microsoft.com/office/drawing/2010/main">
                 <a:solidFill>
                   <a:srgbClr val="FFFFFF"/>
                 </a:solidFill>
@@ -6238,7 +6238,7 @@
     </p:spTree>
     <p:extLst>
       <p:ext uri="{BB962C8B-B14F-4D97-AF65-F5344CB8AC3E}">
-        <p14:creationId xmlns:p14="http://schemas.microsoft.com/office/powerpoint/2010/main" xmlns="" val="1825364276"/>
+        <p14:creationId xmlns="" xmlns:p14="http://schemas.microsoft.com/office/powerpoint/2010/main" val="1825364276"/>
       </p:ext>
     </p:extLst>
   </p:cSld>
@@ -6887,7 +6887,7 @@
           <p:cNvPr id="7" name="Text Box 4">
             <a:extLst>
               <a:ext uri="{FF2B5EF4-FFF2-40B4-BE49-F238E27FC236}">
-                <a16:creationId xmlns:a16="http://schemas.microsoft.com/office/drawing/2014/main" xmlns="" id="{DE376850-FFDE-4BC0-AE2A-F3BAE264E3EC}"/>
+                <a16:creationId xmlns="" xmlns:a16="http://schemas.microsoft.com/office/drawing/2014/main" id="{DE376850-FFDE-4BC0-AE2A-F3BAE264E3EC}"/>
               </a:ext>
             </a:extLst>
           </p:cNvPr>
@@ -6915,7 +6915,7 @@
           </a:ln>
           <a:extLst>
             <a:ext uri="{909E8E84-426E-40DD-AFC4-6F175D3DCCD1}">
-              <a14:hiddenFill xmlns:a14="http://schemas.microsoft.com/office/drawing/2010/main" xmlns="">
+              <a14:hiddenFill xmlns="" xmlns:a14="http://schemas.microsoft.com/office/drawing/2010/main">
                 <a:solidFill>
                   <a:srgbClr val="FFFFFF"/>
                 </a:solidFill>
@@ -7054,7 +7054,7 @@
     </p:spTree>
     <p:extLst>
       <p:ext uri="{BB962C8B-B14F-4D97-AF65-F5344CB8AC3E}">
-        <p14:creationId xmlns:p14="http://schemas.microsoft.com/office/powerpoint/2010/main" xmlns="" val="1364115844"/>
+        <p14:creationId xmlns="" xmlns:p14="http://schemas.microsoft.com/office/powerpoint/2010/main" val="1364115844"/>
       </p:ext>
     </p:extLst>
   </p:cSld>
@@ -7616,7 +7616,7 @@
     </p:spTree>
     <p:extLst>
       <p:ext uri="{BB962C8B-B14F-4D97-AF65-F5344CB8AC3E}">
-        <p14:creationId xmlns:p14="http://schemas.microsoft.com/office/powerpoint/2010/main" xmlns="" val="831713103"/>
+        <p14:creationId xmlns="" xmlns:p14="http://schemas.microsoft.com/office/powerpoint/2010/main" val="831713103"/>
       </p:ext>
     </p:extLst>
   </p:cSld>
@@ -7915,7 +7915,7 @@
   <a:extraClrSchemeLst/>
   <a:extLst>
     <a:ext uri="{05A4C25C-085E-4340-85A3-A5531E510DB2}">
-      <thm15:themeFamily xmlns:thm15="http://schemas.microsoft.com/office/thememl/2012/main" xmlns="" name="eye_tracker_presentation" id="{00ED1D97-A04B-46A0-BB71-88655A6B057F}" vid="{F36189FA-3966-4852-951E-5734674D1C7B}"/>
+      <thm15:themeFamily xmlns="" xmlns:thm15="http://schemas.microsoft.com/office/thememl/2012/main" name="eye_tracker_presentation" id="{00ED1D97-A04B-46A0-BB71-88655A6B057F}" vid="{F36189FA-3966-4852-951E-5734674D1C7B}"/>
     </a:ext>
   </a:extLst>
 </a:theme>
@@ -8210,7 +8210,7 @@
   <a:extraClrSchemeLst/>
   <a:extLst>
     <a:ext uri="{05A4C25C-085E-4340-85A3-A5531E510DB2}">
-      <thm15:themeFamily xmlns:thm15="http://schemas.microsoft.com/office/thememl/2012/main" xmlns="" name="Office Theme" id="{62F939B6-93AF-4DB8-9C6B-D6C7DFDC589F}" vid="{4A3C46E8-61CC-4603-A589-7422A47A8E4A}"/>
+      <thm15:themeFamily xmlns="" xmlns:thm15="http://schemas.microsoft.com/office/thememl/2012/main" name="Office Theme" id="{62F939B6-93AF-4DB8-9C6B-D6C7DFDC589F}" vid="{4A3C46E8-61CC-4603-A589-7422A47A8E4A}"/>
     </a:ext>
   </a:extLst>
 </a:theme>

--- a/bishops/cs321/resources/CS321_Lecture_15B.pptx
+++ b/bishops/cs321/resources/CS321_Lecture_15B.pptx
@@ -4116,6 +4116,13 @@
   <p:clrMapOvr>
     <a:masterClrMapping/>
   </p:clrMapOvr>
+  <p:timing>
+    <p:tnLst>
+      <p:par>
+        <p:cTn id="1" dur="indefinite" restart="never" nodeType="tmRoot"/>
+      </p:par>
+    </p:tnLst>
+  </p:timing>
 </p:sld>
 </file>
 
@@ -4286,6 +4293,13 @@
   <p:clrMapOvr>
     <a:masterClrMapping/>
   </p:clrMapOvr>
+  <p:timing>
+    <p:tnLst>
+      <p:par>
+        <p:cTn id="1" dur="indefinite" restart="never" nodeType="tmRoot"/>
+      </p:par>
+    </p:tnLst>
+  </p:timing>
 </p:sld>
 </file>
 
@@ -4457,6 +4471,13 @@
   <p:clrMapOvr>
     <a:masterClrMapping/>
   </p:clrMapOvr>
+  <p:timing>
+    <p:tnLst>
+      <p:par>
+        <p:cTn id="1" dur="indefinite" restart="never" nodeType="tmRoot"/>
+      </p:par>
+    </p:tnLst>
+  </p:timing>
 </p:sld>
 </file>
 
@@ -5317,6 +5338,13 @@
   <p:clrMapOvr>
     <a:masterClrMapping/>
   </p:clrMapOvr>
+  <p:timing>
+    <p:tnLst>
+      <p:par>
+        <p:cTn id="1" dur="indefinite" restart="never" nodeType="tmRoot"/>
+      </p:par>
+    </p:tnLst>
+  </p:timing>
 </p:sld>
 </file>
 
@@ -6245,6 +6273,13 @@
   <p:clrMapOvr>
     <a:masterClrMapping/>
   </p:clrMapOvr>
+  <p:timing>
+    <p:tnLst>
+      <p:par>
+        <p:cTn id="1" dur="indefinite" restart="never" nodeType="tmRoot"/>
+      </p:par>
+    </p:tnLst>
+  </p:timing>
 </p:sld>
 </file>
 
@@ -7061,6 +7096,13 @@
   <p:clrMapOvr>
     <a:masterClrMapping/>
   </p:clrMapOvr>
+  <p:timing>
+    <p:tnLst>
+      <p:par>
+        <p:cTn id="1" dur="indefinite" restart="never" nodeType="tmRoot"/>
+      </p:par>
+    </p:tnLst>
+  </p:timing>
 </p:sld>
 </file>
 
@@ -7623,6 +7665,13 @@
   <p:clrMapOvr>
     <a:masterClrMapping/>
   </p:clrMapOvr>
+  <p:timing>
+    <p:tnLst>
+      <p:par>
+        <p:cTn id="1" dur="indefinite" restart="never" nodeType="tmRoot"/>
+      </p:par>
+    </p:tnLst>
+  </p:timing>
 </p:sld>
 </file>
 
